--- a/input/content/generativeai-security.pptx
+++ b/input/content/generativeai-security.pptx
@@ -6703,9 +6703,9 @@
         <p:grpSpPr>
           <a:xfrm>
             <a:off x="338950" y="4663225"/>
-            <a:ext cx="1068725" cy="338700"/>
+            <a:ext cx="1348925" cy="338700"/>
             <a:chOff x="338950" y="4663225"/>
-            <a:chExt cx="1068725" cy="338700"/>
+            <a:chExt cx="1348925" cy="338700"/>
           </a:xfrm>
         </p:grpSpPr>
         <p:pic>
@@ -6745,7 +6745,7 @@
           <p:spPr>
             <a:xfrm>
               <a:off x="534375" y="4663225"/>
-              <a:ext cx="873300" cy="338700"/>
+              <a:ext cx="1153500" cy="338700"/>
             </a:xfrm>
             <a:prstGeom prst="rect">
               <a:avLst/>
@@ -10844,7 +10844,7 @@
             <a:tbl>
               <a:tblPr>
                 <a:noFill/>
-                <a:tableStyleId>{C27284B2-9C1C-47A1-996E-4EA49C96ADC9}</a:tableStyleId>
+                <a:tableStyleId>{3D28C814-7AF2-4C54-A031-9C8AB09775AE}</a:tableStyleId>
               </a:tblPr>
               <a:tblGrid>
                 <a:gridCol w="3619500"/>
